--- a/2.项目PPT/技术选型1.pptx
+++ b/2.项目PPT/技术选型1.pptx
@@ -9,6 +9,7 @@
     <p:sldId id="257" r:id="rId3"/>
     <p:sldId id="258" r:id="rId4"/>
     <p:sldId id="259" r:id="rId5"/>
+    <p:sldId id="260" r:id="rId6"/>
   </p:sldIdLst>
   <p:sldSz cx="9144000" cy="6858000" type="screen4x3"/>
   <p:notesSz cx="6858000" cy="9144000"/>
@@ -3098,7 +3099,11 @@
           <a:p>
             <a:r>
               <a:rPr lang="zh-CN" altLang="en-US" sz="6600" dirty="0" smtClean="0"/>
-              <a:t>技术选型</a:t>
+              <a:t>技术</a:t>
+            </a:r>
+            <a:r>
+              <a:rPr lang="zh-CN" altLang="en-US" sz="6600" dirty="0" smtClean="0"/>
+              <a:t>选型和模块设计</a:t>
             </a:r>
             <a:endParaRPr lang="zh-CN" altLang="en-US" sz="6600" dirty="0"/>
           </a:p>
@@ -3131,14 +3136,6 @@
             <a:r>
               <a:rPr lang="zh-CN" altLang="en-US" dirty="0" smtClean="0"/>
               <a:t>组</a:t>
-            </a:r>
-            <a:r>
-              <a:rPr lang="en-US" altLang="zh-CN" dirty="0" smtClean="0"/>
-              <a:t>-</a:t>
-            </a:r>
-            <a:r>
-              <a:rPr lang="zh-CN" altLang="en-US" dirty="0" smtClean="0"/>
-              <a:t>余锋伟</a:t>
             </a:r>
             <a:endParaRPr lang="zh-CN" altLang="en-US" dirty="0"/>
           </a:p>
@@ -4053,8 +4050,12 @@
           <a:p>
             <a:pPr algn="ctr"/>
             <a:r>
-              <a:rPr lang="zh-CN" altLang="en-US" sz="2800" dirty="0" smtClean="0"/>
-              <a:t>扩展功能</a:t>
+              <a:rPr lang="en-US" altLang="zh-CN" sz="2800" dirty="0" err="1" smtClean="0"/>
+              <a:t>Extented</a:t>
+            </a:r>
+            <a:r>
+              <a:rPr lang="en-US" altLang="zh-CN" sz="2800" dirty="0" smtClean="0"/>
+              <a:t> function</a:t>
             </a:r>
             <a:endParaRPr lang="zh-CN" altLang="en-US" sz="2800" dirty="0"/>
           </a:p>
@@ -4165,7 +4166,15 @@
             <a:pPr algn="ctr"/>
             <a:r>
               <a:rPr lang="en-US" altLang="zh-CN" sz="2400" dirty="0" smtClean="0"/>
-              <a:t>Operators of services</a:t>
+              <a:t>Operators </a:t>
+            </a:r>
+            <a:r>
+              <a:rPr lang="en-US" altLang="zh-CN" sz="2400" smtClean="0"/>
+              <a:t>of </a:t>
+            </a:r>
+            <a:r>
+              <a:rPr lang="en-US" altLang="zh-CN" sz="2400" smtClean="0"/>
+              <a:t>Services</a:t>
             </a:r>
             <a:endParaRPr lang="zh-CN" altLang="en-US" sz="2400" dirty="0"/>
           </a:p>
@@ -4256,8 +4265,12 @@
           <a:p>
             <a:pPr algn="ctr"/>
             <a:r>
-              <a:rPr lang="zh-CN" altLang="en-US" sz="2000" dirty="0" smtClean="0"/>
-              <a:t>配置文件读写模块</a:t>
+              <a:rPr lang="en-US" altLang="zh-CN" sz="2000" dirty="0" err="1" smtClean="0"/>
+              <a:t>Config</a:t>
+            </a:r>
+            <a:r>
+              <a:rPr lang="en-US" altLang="zh-CN" sz="2000" dirty="0" smtClean="0"/>
+              <a:t>-file IO module</a:t>
             </a:r>
             <a:endParaRPr lang="zh-CN" altLang="en-US" sz="2000" dirty="0"/>
           </a:p>
@@ -4271,8 +4284,8 @@
         </p:nvSpPr>
         <p:spPr>
           <a:xfrm>
-            <a:off x="5400092" y="3171254"/>
-            <a:ext cx="1800200" cy="1080120"/>
+            <a:off x="5148064" y="3171254"/>
+            <a:ext cx="2052228" cy="1080120"/>
           </a:xfrm>
           <a:prstGeom prst="ellipse">
             <a:avLst/>
@@ -4304,8 +4317,12 @@
               <a:t>Nginx</a:t>
             </a:r>
             <a:r>
-              <a:rPr lang="zh-CN" altLang="en-US" sz="2000" dirty="0" smtClean="0"/>
-              <a:t>监控模块</a:t>
+              <a:rPr lang="zh-CN" altLang="en-US" sz="2000" dirty="0"/>
+              <a:t> </a:t>
+            </a:r>
+            <a:r>
+              <a:rPr lang="en-US" altLang="zh-CN" sz="2000" dirty="0" smtClean="0"/>
+              <a:t>monitor module</a:t>
             </a:r>
             <a:endParaRPr lang="zh-CN" altLang="en-US" sz="2000" dirty="0"/>
           </a:p>
@@ -4352,8 +4369,12 @@
               <a:t>UI</a:t>
             </a:r>
             <a:r>
-              <a:rPr lang="zh-CN" altLang="en-US" sz="2000" dirty="0" smtClean="0"/>
-              <a:t>模块</a:t>
+              <a:rPr lang="zh-CN" altLang="en-US" sz="2000" dirty="0"/>
+              <a:t> </a:t>
+            </a:r>
+            <a:r>
+              <a:rPr lang="en-US" altLang="zh-CN" sz="2000" dirty="0" smtClean="0"/>
+              <a:t>module</a:t>
             </a:r>
             <a:endParaRPr lang="zh-CN" altLang="en-US" sz="2000" dirty="0"/>
           </a:p>
@@ -4407,7 +4428,7 @@
         <p:spPr>
           <a:xfrm flipH="1">
             <a:off x="6012160" y="4251374"/>
-            <a:ext cx="288032" cy="658912"/>
+            <a:ext cx="162018" cy="658912"/>
           </a:xfrm>
           <a:prstGeom prst="straightConnector1">
             <a:avLst/>
@@ -4479,7 +4500,7 @@
         <p:spPr>
           <a:xfrm>
             <a:off x="3995936" y="2492896"/>
-            <a:ext cx="2304256" cy="678358"/>
+            <a:ext cx="2178242" cy="678358"/>
           </a:xfrm>
           <a:prstGeom prst="straightConnector1">
             <a:avLst/>
@@ -4595,6 +4616,143 @@
       </p:par>
     </p:tnLst>
   </p:timing>
+</p:sld>
+</file>
+
+<file path=ppt/slides/slide5.xml><?xml version="1.0" encoding="utf-8"?>
+<p:sld xmlns:a="http://schemas.openxmlformats.org/drawingml/2006/main" xmlns:r="http://schemas.openxmlformats.org/officeDocument/2006/relationships" xmlns:p="http://schemas.openxmlformats.org/presentationml/2006/main">
+  <p:cSld>
+    <p:spTree>
+      <p:nvGrpSpPr>
+        <p:cNvPr id="1" name=""/>
+        <p:cNvGrpSpPr/>
+        <p:nvPr/>
+      </p:nvGrpSpPr>
+      <p:grpSpPr>
+        <a:xfrm>
+          <a:off x="0" y="0"/>
+          <a:ext cx="0" cy="0"/>
+          <a:chOff x="0" y="0"/>
+          <a:chExt cx="0" cy="0"/>
+        </a:xfrm>
+      </p:grpSpPr>
+      <p:sp>
+        <p:nvSpPr>
+          <p:cNvPr id="2" name="标题 1"/>
+          <p:cNvSpPr>
+            <a:spLocks noGrp="1"/>
+          </p:cNvSpPr>
+          <p:nvPr>
+            <p:ph type="title"/>
+          </p:nvPr>
+        </p:nvSpPr>
+        <p:spPr/>
+        <p:txBody>
+          <a:bodyPr/>
+          <a:lstStyle/>
+          <a:p>
+            <a:r>
+              <a:rPr lang="zh-CN" altLang="en-US" dirty="0" smtClean="0"/>
+              <a:t>计划</a:t>
+            </a:r>
+            <a:endParaRPr lang="zh-CN" altLang="en-US" dirty="0"/>
+          </a:p>
+        </p:txBody>
+      </p:sp>
+      <p:sp>
+        <p:nvSpPr>
+          <p:cNvPr id="8" name="内容占位符 7"/>
+          <p:cNvSpPr>
+            <a:spLocks noGrp="1"/>
+          </p:cNvSpPr>
+          <p:nvPr>
+            <p:ph idx="1"/>
+          </p:nvPr>
+        </p:nvSpPr>
+        <p:spPr/>
+        <p:txBody>
+          <a:bodyPr/>
+          <a:lstStyle/>
+          <a:p>
+            <a:endParaRPr lang="zh-CN" altLang="en-US" dirty="0"/>
+          </a:p>
+        </p:txBody>
+      </p:sp>
+      <p:pic>
+        <p:nvPicPr>
+          <p:cNvPr id="1025" name="Picture 1"/>
+          <p:cNvPicPr>
+            <a:picLocks noChangeAspect="1" noChangeArrowheads="1"/>
+          </p:cNvPicPr>
+          <p:nvPr/>
+        </p:nvPicPr>
+        <p:blipFill rotWithShape="1">
+          <a:blip r:embed="rId2">
+            <a:extLst>
+              <a:ext uri="{28A0092B-C50C-407E-A947-70E740481C1C}">
+                <a14:useLocalDpi xmlns:a14="http://schemas.microsoft.com/office/drawing/2010/main" val="0"/>
+              </a:ext>
+            </a:extLst>
+          </a:blip>
+          <a:srcRect l="6072" r="4147"/>
+          <a:stretch/>
+        </p:blipFill>
+        <p:spPr bwMode="auto">
+          <a:xfrm>
+            <a:off x="-972616" y="2060848"/>
+            <a:ext cx="11388786" cy="4032448"/>
+          </a:xfrm>
+          <a:prstGeom prst="rect">
+            <a:avLst/>
+          </a:prstGeom>
+          <a:noFill/>
+          <a:ln>
+            <a:noFill/>
+          </a:ln>
+          <a:effectLst/>
+          <a:extLst>
+            <a:ext uri="{909E8E84-426E-40DD-AFC4-6F175D3DCCD1}">
+              <a14:hiddenFill xmlns:a14="http://schemas.microsoft.com/office/drawing/2010/main">
+                <a:solidFill>
+                  <a:schemeClr val="accent1"/>
+                </a:solidFill>
+              </a14:hiddenFill>
+            </a:ext>
+            <a:ext uri="{91240B29-F687-4F45-9708-019B960494DF}">
+              <a14:hiddenLine xmlns:a14="http://schemas.microsoft.com/office/drawing/2010/main" w="9525">
+                <a:solidFill>
+                  <a:schemeClr val="tx1"/>
+                </a:solidFill>
+                <a:miter lim="800000"/>
+                <a:headEnd/>
+                <a:tailEnd/>
+              </a14:hiddenLine>
+            </a:ext>
+            <a:ext uri="{AF507438-7753-43E0-B8FC-AC1667EBCBE1}">
+              <a14:hiddenEffects xmlns:a14="http://schemas.microsoft.com/office/drawing/2010/main">
+                <a:effectLst>
+                  <a:outerShdw dist="35921" dir="2700000" algn="ctr" rotWithShape="0">
+                    <a:schemeClr val="bg2"/>
+                  </a:outerShdw>
+                </a:effectLst>
+              </a14:hiddenEffects>
+            </a:ext>
+          </a:extLst>
+        </p:spPr>
+      </p:pic>
+    </p:spTree>
+    <p:extLst>
+      <p:ext uri="{BB962C8B-B14F-4D97-AF65-F5344CB8AC3E}">
+        <p14:creationId xmlns:p14="http://schemas.microsoft.com/office/powerpoint/2010/main" val="297385830"/>
+      </p:ext>
+    </p:extLst>
+  </p:cSld>
+  <p:clrMapOvr>
+    <a:masterClrMapping/>
+  </p:clrMapOvr>
+  <p:transition spd="slow">
+    <p:push dir="u"/>
+  </p:transition>
 </p:sld>
 </file>
 

--- a/2.项目PPT/技术选型1.pptx
+++ b/2.项目PPT/技术选型1.pptx
@@ -3088,7 +3088,41 @@
         <p:spPr>
           <a:xfrm>
             <a:off x="683568" y="2204864"/>
-            <a:ext cx="7772400" cy="1470025"/>
+            <a:ext cx="7488832" cy="1584176"/>
+          </a:xfrm>
+        </p:spPr>
+        <p:txBody>
+          <a:bodyPr>
+            <a:normAutofit fontScale="90000"/>
+          </a:bodyPr>
+          <a:lstStyle/>
+          <a:p>
+            <a:r>
+              <a:rPr lang="zh-CN" altLang="en-US" sz="6600" dirty="0" smtClean="0"/>
+              <a:t>技术</a:t>
+            </a:r>
+            <a:r>
+              <a:rPr lang="zh-CN" altLang="en-US" sz="6600" dirty="0" smtClean="0"/>
+              <a:t>选型、模块设计与分工计划</a:t>
+            </a:r>
+            <a:endParaRPr lang="zh-CN" altLang="en-US" sz="6600" dirty="0"/>
+          </a:p>
+        </p:txBody>
+      </p:sp>
+      <p:sp>
+        <p:nvSpPr>
+          <p:cNvPr id="3" name="副标题 2"/>
+          <p:cNvSpPr>
+            <a:spLocks noGrp="1"/>
+          </p:cNvSpPr>
+          <p:nvPr>
+            <p:ph type="subTitle" idx="1"/>
+          </p:nvPr>
+        </p:nvSpPr>
+        <p:spPr>
+          <a:xfrm>
+            <a:off x="4499992" y="5949280"/>
+            <a:ext cx="4496544" cy="694928"/>
           </a:xfrm>
         </p:spPr>
         <p:txBody>
@@ -3098,44 +3132,24 @@
           <a:lstStyle/>
           <a:p>
             <a:r>
-              <a:rPr lang="zh-CN" altLang="en-US" sz="6600" dirty="0" smtClean="0"/>
-              <a:t>技术</a:t>
-            </a:r>
-            <a:r>
-              <a:rPr lang="zh-CN" altLang="en-US" sz="6600" dirty="0" smtClean="0"/>
-              <a:t>选型和模块设计</a:t>
-            </a:r>
-            <a:endParaRPr lang="zh-CN" altLang="en-US" sz="6600" dirty="0"/>
-          </a:p>
-        </p:txBody>
-      </p:sp>
-      <p:sp>
-        <p:nvSpPr>
-          <p:cNvPr id="3" name="副标题 2"/>
-          <p:cNvSpPr>
-            <a:spLocks noGrp="1"/>
-          </p:cNvSpPr>
-          <p:nvPr>
-            <p:ph type="subTitle" idx="1"/>
-          </p:nvPr>
-        </p:nvSpPr>
-        <p:spPr>
-          <a:xfrm>
-            <a:off x="3419872" y="5949280"/>
-            <a:ext cx="5576664" cy="694928"/>
-          </a:xfrm>
-        </p:spPr>
-        <p:txBody>
-          <a:bodyPr/>
-          <a:lstStyle/>
-          <a:p>
-            <a:r>
               <a:rPr lang="en-US" altLang="zh-CN" dirty="0" smtClean="0"/>
               <a:t>C</a:t>
             </a:r>
             <a:r>
               <a:rPr lang="zh-CN" altLang="en-US" dirty="0" smtClean="0"/>
               <a:t>组</a:t>
+            </a:r>
+            <a:r>
+              <a:rPr lang="en-US" altLang="zh-CN" dirty="0" smtClean="0"/>
+              <a:t>-</a:t>
+            </a:r>
+            <a:r>
+              <a:rPr lang="en-US" altLang="zh-CN" dirty="0" err="1" smtClean="0"/>
+              <a:t>nginx</a:t>
+            </a:r>
+            <a:r>
+              <a:rPr lang="zh-CN" altLang="en-US" dirty="0" smtClean="0"/>
+              <a:t>的测试与开发</a:t>
             </a:r>
             <a:endParaRPr lang="zh-CN" altLang="en-US" dirty="0"/>
           </a:p>
@@ -3545,7 +3559,12 @@
             <p:ph idx="1"/>
           </p:nvPr>
         </p:nvSpPr>
-        <p:spPr/>
+        <p:spPr>
+          <a:xfrm>
+            <a:off x="457200" y="1600200"/>
+            <a:ext cx="8435280" cy="4525963"/>
+          </a:xfrm>
+        </p:spPr>
         <p:txBody>
           <a:bodyPr/>
           <a:lstStyle/>
@@ -3599,7 +3618,11 @@
           <a:p>
             <a:r>
               <a:rPr lang="zh-CN" altLang="en-US" dirty="0" smtClean="0"/>
-              <a:t>准则：简单、易上手</a:t>
+              <a:t>选型准则：</a:t>
+            </a:r>
+            <a:r>
+              <a:rPr lang="zh-CN" altLang="en-US" smtClean="0"/>
+              <a:t>稳定、简单、易上手、</a:t>
             </a:r>
             <a:endParaRPr lang="en-US" altLang="zh-CN" dirty="0" smtClean="0"/>
           </a:p>
@@ -4050,12 +4073,8 @@
           <a:p>
             <a:pPr algn="ctr"/>
             <a:r>
-              <a:rPr lang="en-US" altLang="zh-CN" sz="2800" dirty="0" err="1" smtClean="0"/>
-              <a:t>Extented</a:t>
-            </a:r>
-            <a:r>
               <a:rPr lang="en-US" altLang="zh-CN" sz="2800" dirty="0" smtClean="0"/>
-              <a:t> function</a:t>
+              <a:t>Extended Module</a:t>
             </a:r>
             <a:endParaRPr lang="zh-CN" altLang="en-US" sz="2800" dirty="0"/>
           </a:p>
@@ -4170,11 +4189,7 @@
             </a:r>
             <a:r>
               <a:rPr lang="en-US" altLang="zh-CN" sz="2400" smtClean="0"/>
-              <a:t>of </a:t>
-            </a:r>
-            <a:r>
-              <a:rPr lang="en-US" altLang="zh-CN" sz="2400" smtClean="0"/>
-              <a:t>Services</a:t>
+              <a:t>of Services</a:t>
             </a:r>
             <a:endParaRPr lang="zh-CN" altLang="en-US" sz="2400" dirty="0"/>
           </a:p>
@@ -4285,7 +4300,7 @@
         <p:spPr>
           <a:xfrm>
             <a:off x="5148064" y="3171254"/>
-            <a:ext cx="2052228" cy="1080120"/>
+            <a:ext cx="2448272" cy="1080120"/>
           </a:xfrm>
           <a:prstGeom prst="ellipse">
             <a:avLst/>
@@ -4418,89 +4433,17 @@
       </p:cxnSp>
       <p:cxnSp>
         <p:nvCxnSpPr>
-          <p:cNvPr id="17" name="直接箭头连接符 16"/>
-          <p:cNvCxnSpPr>
-            <a:stCxn id="11" idx="4"/>
-            <a:endCxn id="8" idx="0"/>
-          </p:cNvCxnSpPr>
-          <p:nvPr/>
-        </p:nvCxnSpPr>
-        <p:spPr>
-          <a:xfrm flipH="1">
-            <a:off x="6012160" y="4251374"/>
-            <a:ext cx="162018" cy="658912"/>
-          </a:xfrm>
-          <a:prstGeom prst="straightConnector1">
-            <a:avLst/>
-          </a:prstGeom>
-          <a:ln>
-            <a:tailEnd type="arrow"/>
-          </a:ln>
-        </p:spPr>
-        <p:style>
-          <a:lnRef idx="3">
-            <a:schemeClr val="dk1"/>
-          </a:lnRef>
-          <a:fillRef idx="0">
-            <a:schemeClr val="dk1"/>
-          </a:fillRef>
-          <a:effectRef idx="2">
-            <a:schemeClr val="dk1"/>
-          </a:effectRef>
-          <a:fontRef idx="minor">
-            <a:schemeClr val="tx1"/>
-          </a:fontRef>
-        </p:style>
-      </p:cxnSp>
-      <p:cxnSp>
-        <p:nvCxnSpPr>
           <p:cNvPr id="20" name="直接箭头连接符 19"/>
           <p:cNvCxnSpPr>
-            <a:stCxn id="13" idx="4"/>
+            <a:stCxn id="13" idx="3"/>
             <a:endCxn id="10" idx="0"/>
           </p:cNvCxnSpPr>
           <p:nvPr/>
         </p:nvCxnSpPr>
         <p:spPr>
           <a:xfrm flipH="1">
-            <a:off x="2039739" y="2492896"/>
-            <a:ext cx="1956197" cy="670359"/>
-          </a:xfrm>
-          <a:prstGeom prst="straightConnector1">
-            <a:avLst/>
-          </a:prstGeom>
-          <a:ln>
-            <a:tailEnd type="arrow"/>
-          </a:ln>
-        </p:spPr>
-        <p:style>
-          <a:lnRef idx="3">
-            <a:schemeClr val="dk1"/>
-          </a:lnRef>
-          <a:fillRef idx="0">
-            <a:schemeClr val="dk1"/>
-          </a:fillRef>
-          <a:effectRef idx="2">
-            <a:schemeClr val="dk1"/>
-          </a:effectRef>
-          <a:fontRef idx="minor">
-            <a:schemeClr val="tx1"/>
-          </a:fontRef>
-        </p:style>
-      </p:cxnSp>
-      <p:cxnSp>
-        <p:nvCxnSpPr>
-          <p:cNvPr id="25" name="直接箭头连接符 24"/>
-          <p:cNvCxnSpPr>
-            <a:stCxn id="13" idx="4"/>
-            <a:endCxn id="11" idx="0"/>
-          </p:cNvCxnSpPr>
-          <p:nvPr/>
-        </p:nvCxnSpPr>
-        <p:spPr>
-          <a:xfrm>
-            <a:off x="3995936" y="2492896"/>
-            <a:ext cx="2178242" cy="678358"/>
+            <a:off x="2039739" y="2355807"/>
+            <a:ext cx="1243354" cy="807448"/>
           </a:xfrm>
           <a:prstGeom prst="straightConnector1">
             <a:avLst/>
@@ -4562,7 +4505,7 @@
       </p:cxnSp>
       <p:cxnSp>
         <p:nvCxnSpPr>
-          <p:cNvPr id="35" name="直接箭头连接符 34"/>
+          <p:cNvPr id="4" name="直接箭头连接符 3"/>
           <p:cNvCxnSpPr>
             <a:stCxn id="8" idx="2"/>
             <a:endCxn id="9" idx="0"/>
@@ -4578,6 +4521,81 @@
             <a:avLst/>
           </a:prstGeom>
           <a:ln>
+            <a:headEnd type="arrow"/>
+            <a:tailEnd type="arrow"/>
+          </a:ln>
+        </p:spPr>
+        <p:style>
+          <a:lnRef idx="3">
+            <a:schemeClr val="dk1"/>
+          </a:lnRef>
+          <a:fillRef idx="0">
+            <a:schemeClr val="dk1"/>
+          </a:fillRef>
+          <a:effectRef idx="2">
+            <a:schemeClr val="dk1"/>
+          </a:effectRef>
+          <a:fontRef idx="minor">
+            <a:schemeClr val="tx1"/>
+          </a:fontRef>
+        </p:style>
+      </p:cxnSp>
+      <p:cxnSp>
+        <p:nvCxnSpPr>
+          <p:cNvPr id="22" name="直接箭头连接符 21"/>
+          <p:cNvCxnSpPr>
+            <a:stCxn id="13" idx="5"/>
+            <a:endCxn id="11" idx="0"/>
+          </p:cNvCxnSpPr>
+          <p:nvPr/>
+        </p:nvCxnSpPr>
+        <p:spPr>
+          <a:xfrm>
+            <a:off x="4708779" y="2355807"/>
+            <a:ext cx="1663421" cy="815447"/>
+          </a:xfrm>
+          <a:prstGeom prst="straightConnector1">
+            <a:avLst/>
+          </a:prstGeom>
+          <a:ln>
+            <a:headEnd type="arrow"/>
+            <a:tailEnd type="arrow"/>
+          </a:ln>
+        </p:spPr>
+        <p:style>
+          <a:lnRef idx="3">
+            <a:schemeClr val="dk1"/>
+          </a:lnRef>
+          <a:fillRef idx="0">
+            <a:schemeClr val="dk1"/>
+          </a:fillRef>
+          <a:effectRef idx="2">
+            <a:schemeClr val="dk1"/>
+          </a:effectRef>
+          <a:fontRef idx="minor">
+            <a:schemeClr val="tx1"/>
+          </a:fontRef>
+        </p:style>
+      </p:cxnSp>
+      <p:cxnSp>
+        <p:nvCxnSpPr>
+          <p:cNvPr id="30" name="直接箭头连接符 29"/>
+          <p:cNvCxnSpPr>
+            <a:stCxn id="11" idx="4"/>
+            <a:endCxn id="8" idx="0"/>
+          </p:cNvCxnSpPr>
+          <p:nvPr/>
+        </p:nvCxnSpPr>
+        <p:spPr>
+          <a:xfrm flipH="1">
+            <a:off x="6012160" y="4251374"/>
+            <a:ext cx="360040" cy="658912"/>
+          </a:xfrm>
+          <a:prstGeom prst="straightConnector1">
+            <a:avLst/>
+          </a:prstGeom>
+          <a:ln>
+            <a:headEnd type="arrow"/>
             <a:tailEnd type="arrow"/>
           </a:ln>
         </p:spPr>
@@ -4753,6 +4771,13 @@
   <p:transition spd="slow">
     <p:push dir="u"/>
   </p:transition>
+  <p:timing>
+    <p:tnLst>
+      <p:par>
+        <p:cTn id="1" dur="indefinite" restart="never" nodeType="tmRoot"/>
+      </p:par>
+    </p:tnLst>
+  </p:timing>
 </p:sld>
 </file>
 
